--- a/ppt 16-9/1252.活出生命的色.pptx
+++ b/ppt 16-9/1252.活出生命的色.pptx
@@ -129,7 +129,7 @@
           <p:cNvPr id="2" name="标题 1">
             <a:extLst>
               <a:ext uri="{FF2B5EF4-FFF2-40B4-BE49-F238E27FC236}">
-                <a16:creationId xmlns:a16="http://schemas.microsoft.com/office/drawing/2014/main" id="{9AC77C75-8343-9920-3F79-197D9E2C3F28}"/>
+                <a16:creationId xmlns:a16="http://schemas.microsoft.com/office/drawing/2014/main" id="{8F064DC6-3BF9-89FB-5E73-4BC3E4B6A8AB}"/>
               </a:ext>
             </a:extLst>
           </p:cNvPr>
@@ -166,7 +166,7 @@
           <p:cNvPr id="3" name="副标题 2">
             <a:extLst>
               <a:ext uri="{FF2B5EF4-FFF2-40B4-BE49-F238E27FC236}">
-                <a16:creationId xmlns:a16="http://schemas.microsoft.com/office/drawing/2014/main" id="{21D27C4D-98A8-6059-4DF6-1E925D149464}"/>
+                <a16:creationId xmlns:a16="http://schemas.microsoft.com/office/drawing/2014/main" id="{C3D40394-A3DE-55C0-082B-6BC930D113F8}"/>
               </a:ext>
             </a:extLst>
           </p:cNvPr>
@@ -236,7 +236,7 @@
           <p:cNvPr id="4" name="日期占位符 3">
             <a:extLst>
               <a:ext uri="{FF2B5EF4-FFF2-40B4-BE49-F238E27FC236}">
-                <a16:creationId xmlns:a16="http://schemas.microsoft.com/office/drawing/2014/main" id="{3D188770-2847-52CD-66B6-95B75B113517}"/>
+                <a16:creationId xmlns:a16="http://schemas.microsoft.com/office/drawing/2014/main" id="{1065EDDB-EA33-411E-8519-9BFD14E7C041}"/>
               </a:ext>
             </a:extLst>
           </p:cNvPr>
@@ -252,7 +252,7 @@
           <a:bodyPr/>
           <a:lstStyle/>
           <a:p>
-            <a:fld id="{4A9F6C17-FDE5-434E-AD0A-343D0236B35D}" type="datetimeFigureOut">
+            <a:fld id="{FBF1B54A-72BD-4329-AF47-8680D678565B}" type="datetimeFigureOut">
               <a:rPr lang="zh-CN" altLang="en-US" smtClean="0"/>
               <a:t>2024/3/10</a:t>
             </a:fld>
@@ -265,7 +265,7 @@
           <p:cNvPr id="5" name="页脚占位符 4">
             <a:extLst>
               <a:ext uri="{FF2B5EF4-FFF2-40B4-BE49-F238E27FC236}">
-                <a16:creationId xmlns:a16="http://schemas.microsoft.com/office/drawing/2014/main" id="{E3C4898B-44ED-811B-68D0-14922F2C866D}"/>
+                <a16:creationId xmlns:a16="http://schemas.microsoft.com/office/drawing/2014/main" id="{321437D4-835B-DE6A-2727-9508C26F912B}"/>
               </a:ext>
             </a:extLst>
           </p:cNvPr>
@@ -290,7 +290,7 @@
           <p:cNvPr id="6" name="灯片编号占位符 5">
             <a:extLst>
               <a:ext uri="{FF2B5EF4-FFF2-40B4-BE49-F238E27FC236}">
-                <a16:creationId xmlns:a16="http://schemas.microsoft.com/office/drawing/2014/main" id="{565B86C3-465F-7D83-F0D1-8ABEFAB6E3F1}"/>
+                <a16:creationId xmlns:a16="http://schemas.microsoft.com/office/drawing/2014/main" id="{E9B35A81-B1C4-3334-7162-F59655DAF56E}"/>
               </a:ext>
             </a:extLst>
           </p:cNvPr>
@@ -306,7 +306,7 @@
           <a:bodyPr/>
           <a:lstStyle/>
           <a:p>
-            <a:fld id="{A2227830-3E67-46BE-A2F8-B5610344740A}" type="slidenum">
+            <a:fld id="{68DBAB92-8C2D-4EF7-A996-61962107BF50}" type="slidenum">
               <a:rPr lang="zh-CN" altLang="en-US" smtClean="0"/>
               <a:t>‹#›</a:t>
             </a:fld>
@@ -317,7 +317,7 @@
     </p:spTree>
     <p:extLst>
       <p:ext uri="{BB962C8B-B14F-4D97-AF65-F5344CB8AC3E}">
-        <p14:creationId xmlns:p14="http://schemas.microsoft.com/office/powerpoint/2010/main" val="1714917644"/>
+        <p14:creationId xmlns:p14="http://schemas.microsoft.com/office/powerpoint/2010/main" val="131006695"/>
       </p:ext>
     </p:extLst>
   </p:cSld>
@@ -349,7 +349,7 @@
           <p:cNvPr id="2" name="标题 1">
             <a:extLst>
               <a:ext uri="{FF2B5EF4-FFF2-40B4-BE49-F238E27FC236}">
-                <a16:creationId xmlns:a16="http://schemas.microsoft.com/office/drawing/2014/main" id="{442FF7B7-3A01-9F3B-8146-9FF023FB7039}"/>
+                <a16:creationId xmlns:a16="http://schemas.microsoft.com/office/drawing/2014/main" id="{EC7FC6E6-9E49-ED0F-CFC9-6AFE09320D17}"/>
               </a:ext>
             </a:extLst>
           </p:cNvPr>
@@ -377,7 +377,7 @@
           <p:cNvPr id="3" name="竖排文字占位符 2">
             <a:extLst>
               <a:ext uri="{FF2B5EF4-FFF2-40B4-BE49-F238E27FC236}">
-                <a16:creationId xmlns:a16="http://schemas.microsoft.com/office/drawing/2014/main" id="{1AEFC7ED-9363-F49E-07E3-CB9F41651E3B}"/>
+                <a16:creationId xmlns:a16="http://schemas.microsoft.com/office/drawing/2014/main" id="{DD104DEE-6411-B922-1F56-C77378CF0BE1}"/>
               </a:ext>
             </a:extLst>
           </p:cNvPr>
@@ -434,7 +434,7 @@
           <p:cNvPr id="4" name="日期占位符 3">
             <a:extLst>
               <a:ext uri="{FF2B5EF4-FFF2-40B4-BE49-F238E27FC236}">
-                <a16:creationId xmlns:a16="http://schemas.microsoft.com/office/drawing/2014/main" id="{00A79658-B51D-CB54-9874-BE86BF4F39E1}"/>
+                <a16:creationId xmlns:a16="http://schemas.microsoft.com/office/drawing/2014/main" id="{0AEFE27B-0023-4F58-1D11-BF8CADA4A5FA}"/>
               </a:ext>
             </a:extLst>
           </p:cNvPr>
@@ -450,7 +450,7 @@
           <a:bodyPr/>
           <a:lstStyle/>
           <a:p>
-            <a:fld id="{4A9F6C17-FDE5-434E-AD0A-343D0236B35D}" type="datetimeFigureOut">
+            <a:fld id="{FBF1B54A-72BD-4329-AF47-8680D678565B}" type="datetimeFigureOut">
               <a:rPr lang="zh-CN" altLang="en-US" smtClean="0"/>
               <a:t>2024/3/10</a:t>
             </a:fld>
@@ -463,7 +463,7 @@
           <p:cNvPr id="5" name="页脚占位符 4">
             <a:extLst>
               <a:ext uri="{FF2B5EF4-FFF2-40B4-BE49-F238E27FC236}">
-                <a16:creationId xmlns:a16="http://schemas.microsoft.com/office/drawing/2014/main" id="{BEEB246F-6A51-5756-462E-8E4924028E95}"/>
+                <a16:creationId xmlns:a16="http://schemas.microsoft.com/office/drawing/2014/main" id="{B04115FE-0AC7-40D2-9B52-EC66EB570BF2}"/>
               </a:ext>
             </a:extLst>
           </p:cNvPr>
@@ -488,7 +488,7 @@
           <p:cNvPr id="6" name="灯片编号占位符 5">
             <a:extLst>
               <a:ext uri="{FF2B5EF4-FFF2-40B4-BE49-F238E27FC236}">
-                <a16:creationId xmlns:a16="http://schemas.microsoft.com/office/drawing/2014/main" id="{ACA538AD-A470-12BB-70AC-1FC647831429}"/>
+                <a16:creationId xmlns:a16="http://schemas.microsoft.com/office/drawing/2014/main" id="{36C66D19-5F23-6647-46B1-49A4EA25EA35}"/>
               </a:ext>
             </a:extLst>
           </p:cNvPr>
@@ -504,7 +504,7 @@
           <a:bodyPr/>
           <a:lstStyle/>
           <a:p>
-            <a:fld id="{A2227830-3E67-46BE-A2F8-B5610344740A}" type="slidenum">
+            <a:fld id="{68DBAB92-8C2D-4EF7-A996-61962107BF50}" type="slidenum">
               <a:rPr lang="zh-CN" altLang="en-US" smtClean="0"/>
               <a:t>‹#›</a:t>
             </a:fld>
@@ -515,7 +515,7 @@
     </p:spTree>
     <p:extLst>
       <p:ext uri="{BB962C8B-B14F-4D97-AF65-F5344CB8AC3E}">
-        <p14:creationId xmlns:p14="http://schemas.microsoft.com/office/powerpoint/2010/main" val="335804282"/>
+        <p14:creationId xmlns:p14="http://schemas.microsoft.com/office/powerpoint/2010/main" val="1875424934"/>
       </p:ext>
     </p:extLst>
   </p:cSld>
@@ -547,7 +547,7 @@
           <p:cNvPr id="2" name="竖排标题 1">
             <a:extLst>
               <a:ext uri="{FF2B5EF4-FFF2-40B4-BE49-F238E27FC236}">
-                <a16:creationId xmlns:a16="http://schemas.microsoft.com/office/drawing/2014/main" id="{8E0DE15B-A9C6-4B3A-228E-E4D1224E0806}"/>
+                <a16:creationId xmlns:a16="http://schemas.microsoft.com/office/drawing/2014/main" id="{601CCA34-0D0F-15B9-2526-E19CD3A5FB89}"/>
               </a:ext>
             </a:extLst>
           </p:cNvPr>
@@ -580,7 +580,7 @@
           <p:cNvPr id="3" name="竖排文字占位符 2">
             <a:extLst>
               <a:ext uri="{FF2B5EF4-FFF2-40B4-BE49-F238E27FC236}">
-                <a16:creationId xmlns:a16="http://schemas.microsoft.com/office/drawing/2014/main" id="{0B036489-E678-5ABF-3AD6-CE573E220A92}"/>
+                <a16:creationId xmlns:a16="http://schemas.microsoft.com/office/drawing/2014/main" id="{482D604B-F594-E21B-DB80-60A054DD58C4}"/>
               </a:ext>
             </a:extLst>
           </p:cNvPr>
@@ -642,7 +642,7 @@
           <p:cNvPr id="4" name="日期占位符 3">
             <a:extLst>
               <a:ext uri="{FF2B5EF4-FFF2-40B4-BE49-F238E27FC236}">
-                <a16:creationId xmlns:a16="http://schemas.microsoft.com/office/drawing/2014/main" id="{AD010541-E957-9B90-57ED-F5B538A6A9F9}"/>
+                <a16:creationId xmlns:a16="http://schemas.microsoft.com/office/drawing/2014/main" id="{B1D6831D-2DB6-29B0-C6F0-D4610B8C33C9}"/>
               </a:ext>
             </a:extLst>
           </p:cNvPr>
@@ -658,7 +658,7 @@
           <a:bodyPr/>
           <a:lstStyle/>
           <a:p>
-            <a:fld id="{4A9F6C17-FDE5-434E-AD0A-343D0236B35D}" type="datetimeFigureOut">
+            <a:fld id="{FBF1B54A-72BD-4329-AF47-8680D678565B}" type="datetimeFigureOut">
               <a:rPr lang="zh-CN" altLang="en-US" smtClean="0"/>
               <a:t>2024/3/10</a:t>
             </a:fld>
@@ -671,7 +671,7 @@
           <p:cNvPr id="5" name="页脚占位符 4">
             <a:extLst>
               <a:ext uri="{FF2B5EF4-FFF2-40B4-BE49-F238E27FC236}">
-                <a16:creationId xmlns:a16="http://schemas.microsoft.com/office/drawing/2014/main" id="{3D06D0E2-2A7D-0939-96E3-EE730095D12E}"/>
+                <a16:creationId xmlns:a16="http://schemas.microsoft.com/office/drawing/2014/main" id="{119078FB-8F7A-94B7-B530-945F82011C6A}"/>
               </a:ext>
             </a:extLst>
           </p:cNvPr>
@@ -696,7 +696,7 @@
           <p:cNvPr id="6" name="灯片编号占位符 5">
             <a:extLst>
               <a:ext uri="{FF2B5EF4-FFF2-40B4-BE49-F238E27FC236}">
-                <a16:creationId xmlns:a16="http://schemas.microsoft.com/office/drawing/2014/main" id="{8E0D4704-144C-E839-93D3-E0DDCA240B43}"/>
+                <a16:creationId xmlns:a16="http://schemas.microsoft.com/office/drawing/2014/main" id="{5EA5B8E6-634C-8D44-B530-7FAB90192D5A}"/>
               </a:ext>
             </a:extLst>
           </p:cNvPr>
@@ -712,7 +712,7 @@
           <a:bodyPr/>
           <a:lstStyle/>
           <a:p>
-            <a:fld id="{A2227830-3E67-46BE-A2F8-B5610344740A}" type="slidenum">
+            <a:fld id="{68DBAB92-8C2D-4EF7-A996-61962107BF50}" type="slidenum">
               <a:rPr lang="zh-CN" altLang="en-US" smtClean="0"/>
               <a:t>‹#›</a:t>
             </a:fld>
@@ -723,7 +723,7 @@
     </p:spTree>
     <p:extLst>
       <p:ext uri="{BB962C8B-B14F-4D97-AF65-F5344CB8AC3E}">
-        <p14:creationId xmlns:p14="http://schemas.microsoft.com/office/powerpoint/2010/main" val="2707469333"/>
+        <p14:creationId xmlns:p14="http://schemas.microsoft.com/office/powerpoint/2010/main" val="3885583247"/>
       </p:ext>
     </p:extLst>
   </p:cSld>
@@ -755,7 +755,7 @@
           <p:cNvPr id="2" name="标题 1">
             <a:extLst>
               <a:ext uri="{FF2B5EF4-FFF2-40B4-BE49-F238E27FC236}">
-                <a16:creationId xmlns:a16="http://schemas.microsoft.com/office/drawing/2014/main" id="{E047D9CD-18D3-C97B-085F-55E18E80CD70}"/>
+                <a16:creationId xmlns:a16="http://schemas.microsoft.com/office/drawing/2014/main" id="{0421A200-33F8-EED7-F874-45F1E4AECC94}"/>
               </a:ext>
             </a:extLst>
           </p:cNvPr>
@@ -783,7 +783,7 @@
           <p:cNvPr id="3" name="内容占位符 2">
             <a:extLst>
               <a:ext uri="{FF2B5EF4-FFF2-40B4-BE49-F238E27FC236}">
-                <a16:creationId xmlns:a16="http://schemas.microsoft.com/office/drawing/2014/main" id="{AD06B88E-28FF-284C-30AD-BB71CCC85843}"/>
+                <a16:creationId xmlns:a16="http://schemas.microsoft.com/office/drawing/2014/main" id="{35408AD8-66C9-400B-8BFB-9BEB42F1441A}"/>
               </a:ext>
             </a:extLst>
           </p:cNvPr>
@@ -840,7 +840,7 @@
           <p:cNvPr id="4" name="日期占位符 3">
             <a:extLst>
               <a:ext uri="{FF2B5EF4-FFF2-40B4-BE49-F238E27FC236}">
-                <a16:creationId xmlns:a16="http://schemas.microsoft.com/office/drawing/2014/main" id="{5FF58FDE-FE0F-1544-B5C0-F9514E5C7ACD}"/>
+                <a16:creationId xmlns:a16="http://schemas.microsoft.com/office/drawing/2014/main" id="{E6A7D400-87DC-AB42-CDB1-3694E3DFF3F3}"/>
               </a:ext>
             </a:extLst>
           </p:cNvPr>
@@ -856,7 +856,7 @@
           <a:bodyPr/>
           <a:lstStyle/>
           <a:p>
-            <a:fld id="{4A9F6C17-FDE5-434E-AD0A-343D0236B35D}" type="datetimeFigureOut">
+            <a:fld id="{FBF1B54A-72BD-4329-AF47-8680D678565B}" type="datetimeFigureOut">
               <a:rPr lang="zh-CN" altLang="en-US" smtClean="0"/>
               <a:t>2024/3/10</a:t>
             </a:fld>
@@ -869,7 +869,7 @@
           <p:cNvPr id="5" name="页脚占位符 4">
             <a:extLst>
               <a:ext uri="{FF2B5EF4-FFF2-40B4-BE49-F238E27FC236}">
-                <a16:creationId xmlns:a16="http://schemas.microsoft.com/office/drawing/2014/main" id="{462391E1-E29A-7D92-CCFE-E2FC4BBB4BC6}"/>
+                <a16:creationId xmlns:a16="http://schemas.microsoft.com/office/drawing/2014/main" id="{AB72C6F1-E87B-1E7A-6B43-0F5BD763E5C2}"/>
               </a:ext>
             </a:extLst>
           </p:cNvPr>
@@ -894,7 +894,7 @@
           <p:cNvPr id="6" name="灯片编号占位符 5">
             <a:extLst>
               <a:ext uri="{FF2B5EF4-FFF2-40B4-BE49-F238E27FC236}">
-                <a16:creationId xmlns:a16="http://schemas.microsoft.com/office/drawing/2014/main" id="{D805B8CE-8CDB-5E55-C942-1CD682641847}"/>
+                <a16:creationId xmlns:a16="http://schemas.microsoft.com/office/drawing/2014/main" id="{03CFA048-F5B7-A0EE-6F53-BBE28B539342}"/>
               </a:ext>
             </a:extLst>
           </p:cNvPr>
@@ -910,7 +910,7 @@
           <a:bodyPr/>
           <a:lstStyle/>
           <a:p>
-            <a:fld id="{A2227830-3E67-46BE-A2F8-B5610344740A}" type="slidenum">
+            <a:fld id="{68DBAB92-8C2D-4EF7-A996-61962107BF50}" type="slidenum">
               <a:rPr lang="zh-CN" altLang="en-US" smtClean="0"/>
               <a:t>‹#›</a:t>
             </a:fld>
@@ -921,7 +921,7 @@
     </p:spTree>
     <p:extLst>
       <p:ext uri="{BB962C8B-B14F-4D97-AF65-F5344CB8AC3E}">
-        <p14:creationId xmlns:p14="http://schemas.microsoft.com/office/powerpoint/2010/main" val="1594059834"/>
+        <p14:creationId xmlns:p14="http://schemas.microsoft.com/office/powerpoint/2010/main" val="1214938802"/>
       </p:ext>
     </p:extLst>
   </p:cSld>
@@ -953,7 +953,7 @@
           <p:cNvPr id="2" name="标题 1">
             <a:extLst>
               <a:ext uri="{FF2B5EF4-FFF2-40B4-BE49-F238E27FC236}">
-                <a16:creationId xmlns:a16="http://schemas.microsoft.com/office/drawing/2014/main" id="{C2C37E85-D9C6-AE7B-274C-658043352C7D}"/>
+                <a16:creationId xmlns:a16="http://schemas.microsoft.com/office/drawing/2014/main" id="{BA1D2DA5-1D7A-32A7-4FCF-E07A3B5C52D3}"/>
               </a:ext>
             </a:extLst>
           </p:cNvPr>
@@ -990,7 +990,7 @@
           <p:cNvPr id="3" name="文本占位符 2">
             <a:extLst>
               <a:ext uri="{FF2B5EF4-FFF2-40B4-BE49-F238E27FC236}">
-                <a16:creationId xmlns:a16="http://schemas.microsoft.com/office/drawing/2014/main" id="{42737F19-022F-1D52-78A8-A837222F1284}"/>
+                <a16:creationId xmlns:a16="http://schemas.microsoft.com/office/drawing/2014/main" id="{89DA32DB-A31F-D5F6-0C03-930DD659BF6C}"/>
               </a:ext>
             </a:extLst>
           </p:cNvPr>
@@ -1115,7 +1115,7 @@
           <p:cNvPr id="4" name="日期占位符 3">
             <a:extLst>
               <a:ext uri="{FF2B5EF4-FFF2-40B4-BE49-F238E27FC236}">
-                <a16:creationId xmlns:a16="http://schemas.microsoft.com/office/drawing/2014/main" id="{CA0B58B5-58E7-D565-6457-975E5E200BF0}"/>
+                <a16:creationId xmlns:a16="http://schemas.microsoft.com/office/drawing/2014/main" id="{63900732-7009-24DD-B7A1-A986882B977E}"/>
               </a:ext>
             </a:extLst>
           </p:cNvPr>
@@ -1131,7 +1131,7 @@
           <a:bodyPr/>
           <a:lstStyle/>
           <a:p>
-            <a:fld id="{4A9F6C17-FDE5-434E-AD0A-343D0236B35D}" type="datetimeFigureOut">
+            <a:fld id="{FBF1B54A-72BD-4329-AF47-8680D678565B}" type="datetimeFigureOut">
               <a:rPr lang="zh-CN" altLang="en-US" smtClean="0"/>
               <a:t>2024/3/10</a:t>
             </a:fld>
@@ -1144,7 +1144,7 @@
           <p:cNvPr id="5" name="页脚占位符 4">
             <a:extLst>
               <a:ext uri="{FF2B5EF4-FFF2-40B4-BE49-F238E27FC236}">
-                <a16:creationId xmlns:a16="http://schemas.microsoft.com/office/drawing/2014/main" id="{6014AC1C-FAB7-AA31-1BC7-03911CEA7FB7}"/>
+                <a16:creationId xmlns:a16="http://schemas.microsoft.com/office/drawing/2014/main" id="{AB74DA0B-696B-AEFC-5FD7-3BE367A9EDBF}"/>
               </a:ext>
             </a:extLst>
           </p:cNvPr>
@@ -1169,7 +1169,7 @@
           <p:cNvPr id="6" name="灯片编号占位符 5">
             <a:extLst>
               <a:ext uri="{FF2B5EF4-FFF2-40B4-BE49-F238E27FC236}">
-                <a16:creationId xmlns:a16="http://schemas.microsoft.com/office/drawing/2014/main" id="{4976DC97-C429-6702-74B0-592C35999EF2}"/>
+                <a16:creationId xmlns:a16="http://schemas.microsoft.com/office/drawing/2014/main" id="{FC84D25D-49C9-F38A-E295-1D5819B32852}"/>
               </a:ext>
             </a:extLst>
           </p:cNvPr>
@@ -1185,7 +1185,7 @@
           <a:bodyPr/>
           <a:lstStyle/>
           <a:p>
-            <a:fld id="{A2227830-3E67-46BE-A2F8-B5610344740A}" type="slidenum">
+            <a:fld id="{68DBAB92-8C2D-4EF7-A996-61962107BF50}" type="slidenum">
               <a:rPr lang="zh-CN" altLang="en-US" smtClean="0"/>
               <a:t>‹#›</a:t>
             </a:fld>
@@ -1196,7 +1196,7 @@
     </p:spTree>
     <p:extLst>
       <p:ext uri="{BB962C8B-B14F-4D97-AF65-F5344CB8AC3E}">
-        <p14:creationId xmlns:p14="http://schemas.microsoft.com/office/powerpoint/2010/main" val="2872703874"/>
+        <p14:creationId xmlns:p14="http://schemas.microsoft.com/office/powerpoint/2010/main" val="2051195866"/>
       </p:ext>
     </p:extLst>
   </p:cSld>
@@ -1228,7 +1228,7 @@
           <p:cNvPr id="2" name="标题 1">
             <a:extLst>
               <a:ext uri="{FF2B5EF4-FFF2-40B4-BE49-F238E27FC236}">
-                <a16:creationId xmlns:a16="http://schemas.microsoft.com/office/drawing/2014/main" id="{A69EE798-B440-684B-439C-FAAA503E19EA}"/>
+                <a16:creationId xmlns:a16="http://schemas.microsoft.com/office/drawing/2014/main" id="{C5F9B8CE-8A27-59B9-EEE1-A87E80F3D09E}"/>
               </a:ext>
             </a:extLst>
           </p:cNvPr>
@@ -1256,7 +1256,7 @@
           <p:cNvPr id="3" name="内容占位符 2">
             <a:extLst>
               <a:ext uri="{FF2B5EF4-FFF2-40B4-BE49-F238E27FC236}">
-                <a16:creationId xmlns:a16="http://schemas.microsoft.com/office/drawing/2014/main" id="{4616DEB1-BE33-56FE-2BAC-938FB0DBCB14}"/>
+                <a16:creationId xmlns:a16="http://schemas.microsoft.com/office/drawing/2014/main" id="{1BBB1CE8-0D0F-2BF9-F6A4-B4A28D3069E2}"/>
               </a:ext>
             </a:extLst>
           </p:cNvPr>
@@ -1318,7 +1318,7 @@
           <p:cNvPr id="4" name="内容占位符 3">
             <a:extLst>
               <a:ext uri="{FF2B5EF4-FFF2-40B4-BE49-F238E27FC236}">
-                <a16:creationId xmlns:a16="http://schemas.microsoft.com/office/drawing/2014/main" id="{A01DE716-F26B-7BE3-8A3B-A08984E95EBC}"/>
+                <a16:creationId xmlns:a16="http://schemas.microsoft.com/office/drawing/2014/main" id="{3051D8D7-6378-55D2-D5A2-90162FBBE5ED}"/>
               </a:ext>
             </a:extLst>
           </p:cNvPr>
@@ -1380,7 +1380,7 @@
           <p:cNvPr id="5" name="日期占位符 4">
             <a:extLst>
               <a:ext uri="{FF2B5EF4-FFF2-40B4-BE49-F238E27FC236}">
-                <a16:creationId xmlns:a16="http://schemas.microsoft.com/office/drawing/2014/main" id="{788ACAE9-0BAD-4653-E4D3-4FBFBC18379A}"/>
+                <a16:creationId xmlns:a16="http://schemas.microsoft.com/office/drawing/2014/main" id="{BE2D5636-36C0-6460-A6A0-67AC94CCB159}"/>
               </a:ext>
             </a:extLst>
           </p:cNvPr>
@@ -1396,7 +1396,7 @@
           <a:bodyPr/>
           <a:lstStyle/>
           <a:p>
-            <a:fld id="{4A9F6C17-FDE5-434E-AD0A-343D0236B35D}" type="datetimeFigureOut">
+            <a:fld id="{FBF1B54A-72BD-4329-AF47-8680D678565B}" type="datetimeFigureOut">
               <a:rPr lang="zh-CN" altLang="en-US" smtClean="0"/>
               <a:t>2024/3/10</a:t>
             </a:fld>
@@ -1409,7 +1409,7 @@
           <p:cNvPr id="6" name="页脚占位符 5">
             <a:extLst>
               <a:ext uri="{FF2B5EF4-FFF2-40B4-BE49-F238E27FC236}">
-                <a16:creationId xmlns:a16="http://schemas.microsoft.com/office/drawing/2014/main" id="{28E89A79-4DA7-0A40-391E-C7A0173DB2BA}"/>
+                <a16:creationId xmlns:a16="http://schemas.microsoft.com/office/drawing/2014/main" id="{90B1C13B-69A5-CE63-BF4A-1DCD93C6A826}"/>
               </a:ext>
             </a:extLst>
           </p:cNvPr>
@@ -1434,7 +1434,7 @@
           <p:cNvPr id="7" name="灯片编号占位符 6">
             <a:extLst>
               <a:ext uri="{FF2B5EF4-FFF2-40B4-BE49-F238E27FC236}">
-                <a16:creationId xmlns:a16="http://schemas.microsoft.com/office/drawing/2014/main" id="{B4779B8C-6D83-A2F4-7622-50BD3F811C8C}"/>
+                <a16:creationId xmlns:a16="http://schemas.microsoft.com/office/drawing/2014/main" id="{6913420B-17A5-34D2-60F3-51252EF9CBC4}"/>
               </a:ext>
             </a:extLst>
           </p:cNvPr>
@@ -1450,7 +1450,7 @@
           <a:bodyPr/>
           <a:lstStyle/>
           <a:p>
-            <a:fld id="{A2227830-3E67-46BE-A2F8-B5610344740A}" type="slidenum">
+            <a:fld id="{68DBAB92-8C2D-4EF7-A996-61962107BF50}" type="slidenum">
               <a:rPr lang="zh-CN" altLang="en-US" smtClean="0"/>
               <a:t>‹#›</a:t>
             </a:fld>
@@ -1461,7 +1461,7 @@
     </p:spTree>
     <p:extLst>
       <p:ext uri="{BB962C8B-B14F-4D97-AF65-F5344CB8AC3E}">
-        <p14:creationId xmlns:p14="http://schemas.microsoft.com/office/powerpoint/2010/main" val="1798613410"/>
+        <p14:creationId xmlns:p14="http://schemas.microsoft.com/office/powerpoint/2010/main" val="2567899513"/>
       </p:ext>
     </p:extLst>
   </p:cSld>
@@ -1493,7 +1493,7 @@
           <p:cNvPr id="2" name="标题 1">
             <a:extLst>
               <a:ext uri="{FF2B5EF4-FFF2-40B4-BE49-F238E27FC236}">
-                <a16:creationId xmlns:a16="http://schemas.microsoft.com/office/drawing/2014/main" id="{9CD4AF72-74BD-DAF9-5E1D-889CBBBFB399}"/>
+                <a16:creationId xmlns:a16="http://schemas.microsoft.com/office/drawing/2014/main" id="{B34EB47D-A3CF-DB73-F8EE-9003D2FEFC0E}"/>
               </a:ext>
             </a:extLst>
           </p:cNvPr>
@@ -1526,7 +1526,7 @@
           <p:cNvPr id="3" name="文本占位符 2">
             <a:extLst>
               <a:ext uri="{FF2B5EF4-FFF2-40B4-BE49-F238E27FC236}">
-                <a16:creationId xmlns:a16="http://schemas.microsoft.com/office/drawing/2014/main" id="{AB792F62-BDE5-510A-04D4-9BA38DF7213E}"/>
+                <a16:creationId xmlns:a16="http://schemas.microsoft.com/office/drawing/2014/main" id="{97BEF357-388D-FE9A-E349-97168B49837B}"/>
               </a:ext>
             </a:extLst>
           </p:cNvPr>
@@ -1597,7 +1597,7 @@
           <p:cNvPr id="4" name="内容占位符 3">
             <a:extLst>
               <a:ext uri="{FF2B5EF4-FFF2-40B4-BE49-F238E27FC236}">
-                <a16:creationId xmlns:a16="http://schemas.microsoft.com/office/drawing/2014/main" id="{D24743E7-847E-23D0-570D-E0F065497ADF}"/>
+                <a16:creationId xmlns:a16="http://schemas.microsoft.com/office/drawing/2014/main" id="{9BF70DCF-381E-A1DF-F5DD-C1E326A5469E}"/>
               </a:ext>
             </a:extLst>
           </p:cNvPr>
@@ -1659,7 +1659,7 @@
           <p:cNvPr id="5" name="文本占位符 4">
             <a:extLst>
               <a:ext uri="{FF2B5EF4-FFF2-40B4-BE49-F238E27FC236}">
-                <a16:creationId xmlns:a16="http://schemas.microsoft.com/office/drawing/2014/main" id="{4A462C48-10C1-0FAD-10E8-18A643E2806B}"/>
+                <a16:creationId xmlns:a16="http://schemas.microsoft.com/office/drawing/2014/main" id="{92E36B33-1625-D52D-9756-4E8EE555B4AF}"/>
               </a:ext>
             </a:extLst>
           </p:cNvPr>
@@ -1730,7 +1730,7 @@
           <p:cNvPr id="6" name="内容占位符 5">
             <a:extLst>
               <a:ext uri="{FF2B5EF4-FFF2-40B4-BE49-F238E27FC236}">
-                <a16:creationId xmlns:a16="http://schemas.microsoft.com/office/drawing/2014/main" id="{758CB7E3-1CF3-BAE3-C5E5-4AADA14EB3F0}"/>
+                <a16:creationId xmlns:a16="http://schemas.microsoft.com/office/drawing/2014/main" id="{FFCE5382-1055-D18C-3394-7AEE9F0B3187}"/>
               </a:ext>
             </a:extLst>
           </p:cNvPr>
@@ -1792,7 +1792,7 @@
           <p:cNvPr id="7" name="日期占位符 6">
             <a:extLst>
               <a:ext uri="{FF2B5EF4-FFF2-40B4-BE49-F238E27FC236}">
-                <a16:creationId xmlns:a16="http://schemas.microsoft.com/office/drawing/2014/main" id="{4EBC0F8A-36E6-76D0-577E-8C1B9804EDA2}"/>
+                <a16:creationId xmlns:a16="http://schemas.microsoft.com/office/drawing/2014/main" id="{5C23C167-27C4-BEA1-A025-4CE0613791F2}"/>
               </a:ext>
             </a:extLst>
           </p:cNvPr>
@@ -1808,7 +1808,7 @@
           <a:bodyPr/>
           <a:lstStyle/>
           <a:p>
-            <a:fld id="{4A9F6C17-FDE5-434E-AD0A-343D0236B35D}" type="datetimeFigureOut">
+            <a:fld id="{FBF1B54A-72BD-4329-AF47-8680D678565B}" type="datetimeFigureOut">
               <a:rPr lang="zh-CN" altLang="en-US" smtClean="0"/>
               <a:t>2024/3/10</a:t>
             </a:fld>
@@ -1821,7 +1821,7 @@
           <p:cNvPr id="8" name="页脚占位符 7">
             <a:extLst>
               <a:ext uri="{FF2B5EF4-FFF2-40B4-BE49-F238E27FC236}">
-                <a16:creationId xmlns:a16="http://schemas.microsoft.com/office/drawing/2014/main" id="{5FB4AAA5-0D34-1C5A-02F9-1F5C31F25F37}"/>
+                <a16:creationId xmlns:a16="http://schemas.microsoft.com/office/drawing/2014/main" id="{91BE18DA-7109-6A7C-DF52-60FF1C8D3718}"/>
               </a:ext>
             </a:extLst>
           </p:cNvPr>
@@ -1846,7 +1846,7 @@
           <p:cNvPr id="9" name="灯片编号占位符 8">
             <a:extLst>
               <a:ext uri="{FF2B5EF4-FFF2-40B4-BE49-F238E27FC236}">
-                <a16:creationId xmlns:a16="http://schemas.microsoft.com/office/drawing/2014/main" id="{8D1EDEF6-B815-CBE0-4A68-3F7D721682B5}"/>
+                <a16:creationId xmlns:a16="http://schemas.microsoft.com/office/drawing/2014/main" id="{A908BBD8-78DE-5FDF-55C5-6226F1ABC47B}"/>
               </a:ext>
             </a:extLst>
           </p:cNvPr>
@@ -1862,7 +1862,7 @@
           <a:bodyPr/>
           <a:lstStyle/>
           <a:p>
-            <a:fld id="{A2227830-3E67-46BE-A2F8-B5610344740A}" type="slidenum">
+            <a:fld id="{68DBAB92-8C2D-4EF7-A996-61962107BF50}" type="slidenum">
               <a:rPr lang="zh-CN" altLang="en-US" smtClean="0"/>
               <a:t>‹#›</a:t>
             </a:fld>
@@ -1873,7 +1873,7 @@
     </p:spTree>
     <p:extLst>
       <p:ext uri="{BB962C8B-B14F-4D97-AF65-F5344CB8AC3E}">
-        <p14:creationId xmlns:p14="http://schemas.microsoft.com/office/powerpoint/2010/main" val="3339414297"/>
+        <p14:creationId xmlns:p14="http://schemas.microsoft.com/office/powerpoint/2010/main" val="2611759318"/>
       </p:ext>
     </p:extLst>
   </p:cSld>
@@ -1905,7 +1905,7 @@
           <p:cNvPr id="2" name="标题 1">
             <a:extLst>
               <a:ext uri="{FF2B5EF4-FFF2-40B4-BE49-F238E27FC236}">
-                <a16:creationId xmlns:a16="http://schemas.microsoft.com/office/drawing/2014/main" id="{D8A37AEB-D0FA-AC98-0330-301E7859D55B}"/>
+                <a16:creationId xmlns:a16="http://schemas.microsoft.com/office/drawing/2014/main" id="{1EF66FD1-F404-7783-8960-27EEC263A0F8}"/>
               </a:ext>
             </a:extLst>
           </p:cNvPr>
@@ -1933,7 +1933,7 @@
           <p:cNvPr id="3" name="日期占位符 2">
             <a:extLst>
               <a:ext uri="{FF2B5EF4-FFF2-40B4-BE49-F238E27FC236}">
-                <a16:creationId xmlns:a16="http://schemas.microsoft.com/office/drawing/2014/main" id="{F4AEF54D-31C1-1509-DFAB-AB738EBF3CE7}"/>
+                <a16:creationId xmlns:a16="http://schemas.microsoft.com/office/drawing/2014/main" id="{E26055F1-6A5C-9098-D765-79F8E7EC5638}"/>
               </a:ext>
             </a:extLst>
           </p:cNvPr>
@@ -1949,7 +1949,7 @@
           <a:bodyPr/>
           <a:lstStyle/>
           <a:p>
-            <a:fld id="{4A9F6C17-FDE5-434E-AD0A-343D0236B35D}" type="datetimeFigureOut">
+            <a:fld id="{FBF1B54A-72BD-4329-AF47-8680D678565B}" type="datetimeFigureOut">
               <a:rPr lang="zh-CN" altLang="en-US" smtClean="0"/>
               <a:t>2024/3/10</a:t>
             </a:fld>
@@ -1962,7 +1962,7 @@
           <p:cNvPr id="4" name="页脚占位符 3">
             <a:extLst>
               <a:ext uri="{FF2B5EF4-FFF2-40B4-BE49-F238E27FC236}">
-                <a16:creationId xmlns:a16="http://schemas.microsoft.com/office/drawing/2014/main" id="{363960A6-B197-414D-C8EE-96579114D23C}"/>
+                <a16:creationId xmlns:a16="http://schemas.microsoft.com/office/drawing/2014/main" id="{0747981E-A955-5537-AD37-C725344207A5}"/>
               </a:ext>
             </a:extLst>
           </p:cNvPr>
@@ -1987,7 +1987,7 @@
           <p:cNvPr id="5" name="灯片编号占位符 4">
             <a:extLst>
               <a:ext uri="{FF2B5EF4-FFF2-40B4-BE49-F238E27FC236}">
-                <a16:creationId xmlns:a16="http://schemas.microsoft.com/office/drawing/2014/main" id="{F66D4E5E-4710-29D1-3AD3-D6FFBAA9BC1D}"/>
+                <a16:creationId xmlns:a16="http://schemas.microsoft.com/office/drawing/2014/main" id="{1F6063E2-64A8-A679-2D8B-0DE73A4C5A27}"/>
               </a:ext>
             </a:extLst>
           </p:cNvPr>
@@ -2003,7 +2003,7 @@
           <a:bodyPr/>
           <a:lstStyle/>
           <a:p>
-            <a:fld id="{A2227830-3E67-46BE-A2F8-B5610344740A}" type="slidenum">
+            <a:fld id="{68DBAB92-8C2D-4EF7-A996-61962107BF50}" type="slidenum">
               <a:rPr lang="zh-CN" altLang="en-US" smtClean="0"/>
               <a:t>‹#›</a:t>
             </a:fld>
@@ -2014,7 +2014,7 @@
     </p:spTree>
     <p:extLst>
       <p:ext uri="{BB962C8B-B14F-4D97-AF65-F5344CB8AC3E}">
-        <p14:creationId xmlns:p14="http://schemas.microsoft.com/office/powerpoint/2010/main" val="1498824513"/>
+        <p14:creationId xmlns:p14="http://schemas.microsoft.com/office/powerpoint/2010/main" val="1643027277"/>
       </p:ext>
     </p:extLst>
   </p:cSld>
@@ -2046,7 +2046,7 @@
           <p:cNvPr id="2" name="日期占位符 1">
             <a:extLst>
               <a:ext uri="{FF2B5EF4-FFF2-40B4-BE49-F238E27FC236}">
-                <a16:creationId xmlns:a16="http://schemas.microsoft.com/office/drawing/2014/main" id="{9C927577-7892-C0FD-2A86-33B7E77F7807}"/>
+                <a16:creationId xmlns:a16="http://schemas.microsoft.com/office/drawing/2014/main" id="{D8F40F5B-2038-CB68-F458-620A5D37895A}"/>
               </a:ext>
             </a:extLst>
           </p:cNvPr>
@@ -2062,7 +2062,7 @@
           <a:bodyPr/>
           <a:lstStyle/>
           <a:p>
-            <a:fld id="{4A9F6C17-FDE5-434E-AD0A-343D0236B35D}" type="datetimeFigureOut">
+            <a:fld id="{FBF1B54A-72BD-4329-AF47-8680D678565B}" type="datetimeFigureOut">
               <a:rPr lang="zh-CN" altLang="en-US" smtClean="0"/>
               <a:t>2024/3/10</a:t>
             </a:fld>
@@ -2075,7 +2075,7 @@
           <p:cNvPr id="3" name="页脚占位符 2">
             <a:extLst>
               <a:ext uri="{FF2B5EF4-FFF2-40B4-BE49-F238E27FC236}">
-                <a16:creationId xmlns:a16="http://schemas.microsoft.com/office/drawing/2014/main" id="{CE9FDE4A-9B45-52F8-5EF2-86C8981E70C1}"/>
+                <a16:creationId xmlns:a16="http://schemas.microsoft.com/office/drawing/2014/main" id="{00A62D57-884A-3722-38D1-2754FB3730ED}"/>
               </a:ext>
             </a:extLst>
           </p:cNvPr>
@@ -2100,7 +2100,7 @@
           <p:cNvPr id="4" name="灯片编号占位符 3">
             <a:extLst>
               <a:ext uri="{FF2B5EF4-FFF2-40B4-BE49-F238E27FC236}">
-                <a16:creationId xmlns:a16="http://schemas.microsoft.com/office/drawing/2014/main" id="{CF0173E3-6B8B-4251-E357-5F59EDB0F4C3}"/>
+                <a16:creationId xmlns:a16="http://schemas.microsoft.com/office/drawing/2014/main" id="{BF990FF1-CF95-DA03-5911-FA2A1B2B88F3}"/>
               </a:ext>
             </a:extLst>
           </p:cNvPr>
@@ -2116,7 +2116,7 @@
           <a:bodyPr/>
           <a:lstStyle/>
           <a:p>
-            <a:fld id="{A2227830-3E67-46BE-A2F8-B5610344740A}" type="slidenum">
+            <a:fld id="{68DBAB92-8C2D-4EF7-A996-61962107BF50}" type="slidenum">
               <a:rPr lang="zh-CN" altLang="en-US" smtClean="0"/>
               <a:t>‹#›</a:t>
             </a:fld>
@@ -2127,7 +2127,7 @@
     </p:spTree>
     <p:extLst>
       <p:ext uri="{BB962C8B-B14F-4D97-AF65-F5344CB8AC3E}">
-        <p14:creationId xmlns:p14="http://schemas.microsoft.com/office/powerpoint/2010/main" val="3878825749"/>
+        <p14:creationId xmlns:p14="http://schemas.microsoft.com/office/powerpoint/2010/main" val="2438042513"/>
       </p:ext>
     </p:extLst>
   </p:cSld>
@@ -2159,7 +2159,7 @@
           <p:cNvPr id="2" name="标题 1">
             <a:extLst>
               <a:ext uri="{FF2B5EF4-FFF2-40B4-BE49-F238E27FC236}">
-                <a16:creationId xmlns:a16="http://schemas.microsoft.com/office/drawing/2014/main" id="{AF399519-8274-004A-BB76-79F0D706184D}"/>
+                <a16:creationId xmlns:a16="http://schemas.microsoft.com/office/drawing/2014/main" id="{6A9D0662-F753-61C3-5F98-F6CC24DAA0B3}"/>
               </a:ext>
             </a:extLst>
           </p:cNvPr>
@@ -2196,7 +2196,7 @@
           <p:cNvPr id="3" name="内容占位符 2">
             <a:extLst>
               <a:ext uri="{FF2B5EF4-FFF2-40B4-BE49-F238E27FC236}">
-                <a16:creationId xmlns:a16="http://schemas.microsoft.com/office/drawing/2014/main" id="{6C30AB05-6317-66E1-667F-21CE974D94BD}"/>
+                <a16:creationId xmlns:a16="http://schemas.microsoft.com/office/drawing/2014/main" id="{736B2DB3-4AB0-12B2-0001-A64B0F922B77}"/>
               </a:ext>
             </a:extLst>
           </p:cNvPr>
@@ -2286,7 +2286,7 @@
           <p:cNvPr id="4" name="文本占位符 3">
             <a:extLst>
               <a:ext uri="{FF2B5EF4-FFF2-40B4-BE49-F238E27FC236}">
-                <a16:creationId xmlns:a16="http://schemas.microsoft.com/office/drawing/2014/main" id="{1A9B2690-BC06-9081-D06F-7C367B0F5AAD}"/>
+                <a16:creationId xmlns:a16="http://schemas.microsoft.com/office/drawing/2014/main" id="{F3E2BAC7-6E73-A7F3-AD8A-17F2A8CD8E14}"/>
               </a:ext>
             </a:extLst>
           </p:cNvPr>
@@ -2357,7 +2357,7 @@
           <p:cNvPr id="5" name="日期占位符 4">
             <a:extLst>
               <a:ext uri="{FF2B5EF4-FFF2-40B4-BE49-F238E27FC236}">
-                <a16:creationId xmlns:a16="http://schemas.microsoft.com/office/drawing/2014/main" id="{18B8CDB5-5DD6-FFAD-E5BE-51C8BDB598BD}"/>
+                <a16:creationId xmlns:a16="http://schemas.microsoft.com/office/drawing/2014/main" id="{234F7A75-93A0-D519-67A3-F61B9AED0CA1}"/>
               </a:ext>
             </a:extLst>
           </p:cNvPr>
@@ -2373,7 +2373,7 @@
           <a:bodyPr/>
           <a:lstStyle/>
           <a:p>
-            <a:fld id="{4A9F6C17-FDE5-434E-AD0A-343D0236B35D}" type="datetimeFigureOut">
+            <a:fld id="{FBF1B54A-72BD-4329-AF47-8680D678565B}" type="datetimeFigureOut">
               <a:rPr lang="zh-CN" altLang="en-US" smtClean="0"/>
               <a:t>2024/3/10</a:t>
             </a:fld>
@@ -2386,7 +2386,7 @@
           <p:cNvPr id="6" name="页脚占位符 5">
             <a:extLst>
               <a:ext uri="{FF2B5EF4-FFF2-40B4-BE49-F238E27FC236}">
-                <a16:creationId xmlns:a16="http://schemas.microsoft.com/office/drawing/2014/main" id="{92F43364-256E-16E9-F351-2B96D706C6F0}"/>
+                <a16:creationId xmlns:a16="http://schemas.microsoft.com/office/drawing/2014/main" id="{39B356CE-C685-6E0A-F660-CC4AE388F34F}"/>
               </a:ext>
             </a:extLst>
           </p:cNvPr>
@@ -2411,7 +2411,7 @@
           <p:cNvPr id="7" name="灯片编号占位符 6">
             <a:extLst>
               <a:ext uri="{FF2B5EF4-FFF2-40B4-BE49-F238E27FC236}">
-                <a16:creationId xmlns:a16="http://schemas.microsoft.com/office/drawing/2014/main" id="{E478566F-DB6D-1D7B-BE92-6B03E34E8C41}"/>
+                <a16:creationId xmlns:a16="http://schemas.microsoft.com/office/drawing/2014/main" id="{50E172F0-7BAC-18FD-33F7-4BB0B535A261}"/>
               </a:ext>
             </a:extLst>
           </p:cNvPr>
@@ -2427,7 +2427,7 @@
           <a:bodyPr/>
           <a:lstStyle/>
           <a:p>
-            <a:fld id="{A2227830-3E67-46BE-A2F8-B5610344740A}" type="slidenum">
+            <a:fld id="{68DBAB92-8C2D-4EF7-A996-61962107BF50}" type="slidenum">
               <a:rPr lang="zh-CN" altLang="en-US" smtClean="0"/>
               <a:t>‹#›</a:t>
             </a:fld>
@@ -2438,7 +2438,7 @@
     </p:spTree>
     <p:extLst>
       <p:ext uri="{BB962C8B-B14F-4D97-AF65-F5344CB8AC3E}">
-        <p14:creationId xmlns:p14="http://schemas.microsoft.com/office/powerpoint/2010/main" val="2723915537"/>
+        <p14:creationId xmlns:p14="http://schemas.microsoft.com/office/powerpoint/2010/main" val="2817542164"/>
       </p:ext>
     </p:extLst>
   </p:cSld>
@@ -2470,7 +2470,7 @@
           <p:cNvPr id="2" name="标题 1">
             <a:extLst>
               <a:ext uri="{FF2B5EF4-FFF2-40B4-BE49-F238E27FC236}">
-                <a16:creationId xmlns:a16="http://schemas.microsoft.com/office/drawing/2014/main" id="{91926436-FEFE-2F44-F953-050D082F0286}"/>
+                <a16:creationId xmlns:a16="http://schemas.microsoft.com/office/drawing/2014/main" id="{67F1D7BC-E62B-6CC8-5225-6E20029565F9}"/>
               </a:ext>
             </a:extLst>
           </p:cNvPr>
@@ -2507,7 +2507,7 @@
           <p:cNvPr id="3" name="图片占位符 2">
             <a:extLst>
               <a:ext uri="{FF2B5EF4-FFF2-40B4-BE49-F238E27FC236}">
-                <a16:creationId xmlns:a16="http://schemas.microsoft.com/office/drawing/2014/main" id="{156615C4-5289-7474-3238-958D63651AA1}"/>
+                <a16:creationId xmlns:a16="http://schemas.microsoft.com/office/drawing/2014/main" id="{50A3C45E-DE5F-D51C-3D67-10527D5B2CBD}"/>
               </a:ext>
             </a:extLst>
           </p:cNvPr>
@@ -2574,7 +2574,7 @@
           <p:cNvPr id="4" name="文本占位符 3">
             <a:extLst>
               <a:ext uri="{FF2B5EF4-FFF2-40B4-BE49-F238E27FC236}">
-                <a16:creationId xmlns:a16="http://schemas.microsoft.com/office/drawing/2014/main" id="{6D83E2E9-9C68-060D-E930-A2048D0A7A86}"/>
+                <a16:creationId xmlns:a16="http://schemas.microsoft.com/office/drawing/2014/main" id="{E2E56901-2A44-D8C3-26E7-9A9621CB732F}"/>
               </a:ext>
             </a:extLst>
           </p:cNvPr>
@@ -2645,7 +2645,7 @@
           <p:cNvPr id="5" name="日期占位符 4">
             <a:extLst>
               <a:ext uri="{FF2B5EF4-FFF2-40B4-BE49-F238E27FC236}">
-                <a16:creationId xmlns:a16="http://schemas.microsoft.com/office/drawing/2014/main" id="{3B93BF2B-D6A4-A21B-EE91-9DCE4D1189CC}"/>
+                <a16:creationId xmlns:a16="http://schemas.microsoft.com/office/drawing/2014/main" id="{F0FA30D5-1094-6D0F-C805-AC7AAF6AE310}"/>
               </a:ext>
             </a:extLst>
           </p:cNvPr>
@@ -2661,7 +2661,7 @@
           <a:bodyPr/>
           <a:lstStyle/>
           <a:p>
-            <a:fld id="{4A9F6C17-FDE5-434E-AD0A-343D0236B35D}" type="datetimeFigureOut">
+            <a:fld id="{FBF1B54A-72BD-4329-AF47-8680D678565B}" type="datetimeFigureOut">
               <a:rPr lang="zh-CN" altLang="en-US" smtClean="0"/>
               <a:t>2024/3/10</a:t>
             </a:fld>
@@ -2674,7 +2674,7 @@
           <p:cNvPr id="6" name="页脚占位符 5">
             <a:extLst>
               <a:ext uri="{FF2B5EF4-FFF2-40B4-BE49-F238E27FC236}">
-                <a16:creationId xmlns:a16="http://schemas.microsoft.com/office/drawing/2014/main" id="{B755F443-4EDD-838A-651B-D0CEB5709AFF}"/>
+                <a16:creationId xmlns:a16="http://schemas.microsoft.com/office/drawing/2014/main" id="{92F955CA-DBE6-1C61-9E5C-1340019C78F8}"/>
               </a:ext>
             </a:extLst>
           </p:cNvPr>
@@ -2699,7 +2699,7 @@
           <p:cNvPr id="7" name="灯片编号占位符 6">
             <a:extLst>
               <a:ext uri="{FF2B5EF4-FFF2-40B4-BE49-F238E27FC236}">
-                <a16:creationId xmlns:a16="http://schemas.microsoft.com/office/drawing/2014/main" id="{7A18B0DC-65E8-638E-8D01-838EF351554A}"/>
+                <a16:creationId xmlns:a16="http://schemas.microsoft.com/office/drawing/2014/main" id="{C04B06AB-7B87-B51B-3D46-5A281CE3994D}"/>
               </a:ext>
             </a:extLst>
           </p:cNvPr>
@@ -2715,7 +2715,7 @@
           <a:bodyPr/>
           <a:lstStyle/>
           <a:p>
-            <a:fld id="{A2227830-3E67-46BE-A2F8-B5610344740A}" type="slidenum">
+            <a:fld id="{68DBAB92-8C2D-4EF7-A996-61962107BF50}" type="slidenum">
               <a:rPr lang="zh-CN" altLang="en-US" smtClean="0"/>
               <a:t>‹#›</a:t>
             </a:fld>
@@ -2726,7 +2726,7 @@
     </p:spTree>
     <p:extLst>
       <p:ext uri="{BB962C8B-B14F-4D97-AF65-F5344CB8AC3E}">
-        <p14:creationId xmlns:p14="http://schemas.microsoft.com/office/powerpoint/2010/main" val="681912198"/>
+        <p14:creationId xmlns:p14="http://schemas.microsoft.com/office/powerpoint/2010/main" val="718313428"/>
       </p:ext>
     </p:extLst>
   </p:cSld>
@@ -2763,7 +2763,7 @@
           <p:cNvPr id="2" name="标题占位符 1">
             <a:extLst>
               <a:ext uri="{FF2B5EF4-FFF2-40B4-BE49-F238E27FC236}">
-                <a16:creationId xmlns:a16="http://schemas.microsoft.com/office/drawing/2014/main" id="{2256E376-B6EA-008D-4994-B4D68061EF76}"/>
+                <a16:creationId xmlns:a16="http://schemas.microsoft.com/office/drawing/2014/main" id="{6A997DAC-CBF9-A2CF-CE20-6894E8CEC715}"/>
               </a:ext>
             </a:extLst>
           </p:cNvPr>
@@ -2801,7 +2801,7 @@
           <p:cNvPr id="3" name="文本占位符 2">
             <a:extLst>
               <a:ext uri="{FF2B5EF4-FFF2-40B4-BE49-F238E27FC236}">
-                <a16:creationId xmlns:a16="http://schemas.microsoft.com/office/drawing/2014/main" id="{9FC81DE0-964A-3A89-106B-F851452FFDF6}"/>
+                <a16:creationId xmlns:a16="http://schemas.microsoft.com/office/drawing/2014/main" id="{3807521E-D942-AA74-B71E-812CB3CAA06D}"/>
               </a:ext>
             </a:extLst>
           </p:cNvPr>
@@ -2868,7 +2868,7 @@
           <p:cNvPr id="4" name="日期占位符 3">
             <a:extLst>
               <a:ext uri="{FF2B5EF4-FFF2-40B4-BE49-F238E27FC236}">
-                <a16:creationId xmlns:a16="http://schemas.microsoft.com/office/drawing/2014/main" id="{F971E79D-029E-0516-BC65-989C07BC480F}"/>
+                <a16:creationId xmlns:a16="http://schemas.microsoft.com/office/drawing/2014/main" id="{DD004FD5-5925-664C-5DEA-83D1D2143454}"/>
               </a:ext>
             </a:extLst>
           </p:cNvPr>
@@ -2902,7 +2902,7 @@
             </a:lvl1pPr>
           </a:lstStyle>
           <a:p>
-            <a:fld id="{4A9F6C17-FDE5-434E-AD0A-343D0236B35D}" type="datetimeFigureOut">
+            <a:fld id="{FBF1B54A-72BD-4329-AF47-8680D678565B}" type="datetimeFigureOut">
               <a:rPr lang="zh-CN" altLang="en-US" smtClean="0"/>
               <a:t>2024/3/10</a:t>
             </a:fld>
@@ -2915,7 +2915,7 @@
           <p:cNvPr id="5" name="页脚占位符 4">
             <a:extLst>
               <a:ext uri="{FF2B5EF4-FFF2-40B4-BE49-F238E27FC236}">
-                <a16:creationId xmlns:a16="http://schemas.microsoft.com/office/drawing/2014/main" id="{34A99A5F-6707-DE71-E433-4BD6FC6A3D38}"/>
+                <a16:creationId xmlns:a16="http://schemas.microsoft.com/office/drawing/2014/main" id="{C934CE4F-9ADD-318F-052D-81FDFB3A4A0D}"/>
               </a:ext>
             </a:extLst>
           </p:cNvPr>
@@ -2958,7 +2958,7 @@
           <p:cNvPr id="6" name="灯片编号占位符 5">
             <a:extLst>
               <a:ext uri="{FF2B5EF4-FFF2-40B4-BE49-F238E27FC236}">
-                <a16:creationId xmlns:a16="http://schemas.microsoft.com/office/drawing/2014/main" id="{14B9DADC-4615-39A5-5596-A36A29359634}"/>
+                <a16:creationId xmlns:a16="http://schemas.microsoft.com/office/drawing/2014/main" id="{40E7EEE5-88A4-24AC-FBA6-344DD5329319}"/>
               </a:ext>
             </a:extLst>
           </p:cNvPr>
@@ -2992,7 +2992,7 @@
             </a:lvl1pPr>
           </a:lstStyle>
           <a:p>
-            <a:fld id="{A2227830-3E67-46BE-A2F8-B5610344740A}" type="slidenum">
+            <a:fld id="{68DBAB92-8C2D-4EF7-A996-61962107BF50}" type="slidenum">
               <a:rPr lang="zh-CN" altLang="en-US" smtClean="0"/>
               <a:t>‹#›</a:t>
             </a:fld>
@@ -3003,7 +3003,7 @@
     </p:spTree>
     <p:extLst>
       <p:ext uri="{BB962C8B-B14F-4D97-AF65-F5344CB8AC3E}">
-        <p14:creationId xmlns:p14="http://schemas.microsoft.com/office/powerpoint/2010/main" val="2169396070"/>
+        <p14:creationId xmlns:p14="http://schemas.microsoft.com/office/powerpoint/2010/main" val="4270437526"/>
       </p:ext>
     </p:extLst>
   </p:cSld>
